--- a/Apresentação - Lab01.pptx
+++ b/Apresentação - Lab01.pptx
@@ -8597,15 +8597,7 @@
                   <a:schemeClr val="bg1"/>
                 </a:solidFill>
               </a:rPr>
-              <a:t>In</a:t>
-            </a:r>
-            <a:r>
-              <a:rPr lang="pt-PT" sz="1600" dirty="0" smtClean="0">
-                <a:solidFill>
-                  <a:schemeClr val="bg1"/>
-                </a:solidFill>
-              </a:rPr>
-              <a:t>ês Santos, 76334</a:t>
+              <a:t>Inês Santos, 76334</a:t>
             </a:r>
             <a:endParaRPr lang="pt-PT" sz="1600" dirty="0">
               <a:solidFill>
@@ -8741,11 +8733,7 @@
             <a:pPr lvl="1"/>
             <a:r>
               <a:rPr lang="pt-PT" sz="1600" dirty="0" smtClean="0"/>
-              <a:t>Instituiç</a:t>
-            </a:r>
-            <a:r>
-              <a:rPr lang="pt-PT" sz="1600" dirty="0" smtClean="0"/>
-              <a:t>ões/Grupos de idosos</a:t>
+              <a:t>Instituições/Grupos de idosos</a:t>
             </a:r>
           </a:p>
           <a:p>
@@ -8827,11 +8815,7 @@
             <a:pPr lvl="1"/>
             <a:r>
               <a:rPr lang="pt-PT" sz="1600" dirty="0" smtClean="0"/>
-              <a:t>Instituiç</a:t>
-            </a:r>
-            <a:r>
-              <a:rPr lang="pt-PT" sz="1600" dirty="0" smtClean="0"/>
-              <a:t>ões/Grupos de idosos</a:t>
+              <a:t>Instituições/Grupos de idosos</a:t>
             </a:r>
           </a:p>
           <a:p>
@@ -8978,11 +8962,7 @@
             <a:pPr lvl="1"/>
             <a:r>
               <a:rPr lang="pt-PT" sz="1600" dirty="0" smtClean="0"/>
-              <a:t>Departamento Cient</a:t>
-            </a:r>
-            <a:r>
-              <a:rPr lang="pt-PT" sz="1600" dirty="0" smtClean="0"/>
-              <a:t>ífico e Pedagógico</a:t>
+              <a:t>Departamento Científico e Pedagógico</a:t>
             </a:r>
           </a:p>
           <a:p>
@@ -9003,7 +8983,6 @@
               <a:rPr lang="pt-PT" sz="1600" dirty="0" smtClean="0"/>
               <a:t>financeiros</a:t>
             </a:r>
-            <a:endParaRPr lang="pt-PT" sz="1600" dirty="0" smtClean="0"/>
           </a:p>
           <a:p>
             <a:r>
@@ -9031,13 +9010,8 @@
             <a:pPr lvl="1"/>
             <a:r>
               <a:rPr lang="pt-PT" sz="1600" dirty="0" smtClean="0"/>
-              <a:t>Equipa de manutenç</a:t>
-            </a:r>
-            <a:r>
-              <a:rPr lang="pt-PT" sz="1600" dirty="0" smtClean="0"/>
-              <a:t>ão</a:t>
-            </a:r>
-            <a:endParaRPr lang="pt-PT" sz="1600" dirty="0" smtClean="0"/>
+              <a:t>Equipa de manutenção</a:t>
+            </a:r>
           </a:p>
           <a:p>
             <a:r>
@@ -9053,11 +9027,7 @@
             <a:pPr lvl="1"/>
             <a:r>
               <a:rPr lang="pt-PT" sz="1600" dirty="0" smtClean="0"/>
-              <a:t>Empresas de comunicaç</a:t>
-            </a:r>
-            <a:r>
-              <a:rPr lang="pt-PT" sz="1600" dirty="0" smtClean="0"/>
-              <a:t>ão/marketing</a:t>
+              <a:t>Empresas de comunicação/marketing</a:t>
             </a:r>
           </a:p>
           <a:p>
@@ -9100,15 +9070,7 @@
                   <a:srgbClr val="595959"/>
                 </a:solidFill>
               </a:rPr>
-              <a:t>Instituiç</a:t>
-            </a:r>
-            <a:r>
-              <a:rPr lang="pt-PT" sz="1600" dirty="0" smtClean="0">
-                <a:solidFill>
-                  <a:srgbClr val="595959"/>
-                </a:solidFill>
-              </a:rPr>
-              <a:t>ões bancárias físicas e virtuais</a:t>
+              <a:t>Instituições bancárias físicas e virtuais</a:t>
             </a:r>
             <a:endParaRPr lang="pt-PT" sz="1600" dirty="0">
               <a:solidFill>
@@ -9196,11 +9158,7 @@
           <a:p>
             <a:r>
               <a:rPr lang="pt-PT" dirty="0" smtClean="0"/>
-              <a:t>Descrição dos perfis dos </a:t>
-            </a:r>
-            <a:r>
-              <a:rPr lang="pt-PT" dirty="0" smtClean="0"/>
-              <a:t>utilizadores					1/2</a:t>
+              <a:t>Descrição dos perfis dos utilizadores					1/2</a:t>
             </a:r>
             <a:endParaRPr lang="pt-PT" dirty="0"/>
           </a:p>
@@ -9276,11 +9234,7 @@
                     <a:p>
                       <a:r>
                         <a:rPr lang="pt-PT" dirty="0" err="1" smtClean="0"/>
-                        <a:t>t</a:t>
-                      </a:r>
-                      <a:r>
-                        <a:rPr lang="pt-PT" dirty="0" err="1" smtClean="0"/>
-                        <a:t>ecnófobo</a:t>
+                        <a:t>tecnófobo</a:t>
                       </a:r>
                       <a:endParaRPr lang="pt-PT" dirty="0"/>
                     </a:p>
@@ -9413,11 +9367,7 @@
                       </a:pPr>
                       <a:r>
                         <a:rPr lang="pt-PT" dirty="0" smtClean="0"/>
-                        <a:t>Din</a:t>
-                      </a:r>
-                      <a:r>
-                        <a:rPr lang="pt-PT" dirty="0" smtClean="0"/>
-                        <a:t>âmica</a:t>
+                        <a:t>Dinâmica</a:t>
                       </a:r>
                       <a:endParaRPr lang="pt-PT" dirty="0"/>
                     </a:p>
@@ -9495,11 +9445,7 @@
                       </a:pPr>
                       <a:r>
                         <a:rPr lang="pt-PT" dirty="0" smtClean="0"/>
-                        <a:t>Experi</a:t>
-                      </a:r>
-                      <a:r>
-                        <a:rPr lang="pt-PT" dirty="0" smtClean="0"/>
-                        <a:t>ência</a:t>
+                        <a:t>Experiência</a:t>
                       </a:r>
                       <a:endParaRPr lang="pt-PT" dirty="0"/>
                     </a:p>
@@ -9577,13 +9523,8 @@
                       </a:pPr>
                       <a:r>
                         <a:rPr lang="pt-PT" dirty="0" smtClean="0"/>
-                        <a:t>Depend</a:t>
+                        <a:t>Dependência</a:t>
                       </a:r>
-                      <a:r>
-                        <a:rPr lang="pt-PT" dirty="0" smtClean="0"/>
-                        <a:t>ência</a:t>
-                      </a:r>
-                      <a:endParaRPr lang="pt-PT" dirty="0" smtClean="0"/>
                     </a:p>
                   </a:txBody>
                   <a:tcPr/>
@@ -9659,13 +9600,8 @@
                       </a:pPr>
                       <a:r>
                         <a:rPr lang="pt-PT" dirty="0" smtClean="0"/>
-                        <a:t>Conhecimentos inform</a:t>
+                        <a:t>Conhecimentos informáticos</a:t>
                       </a:r>
-                      <a:r>
-                        <a:rPr lang="pt-PT" dirty="0" smtClean="0"/>
-                        <a:t>áticos</a:t>
-                      </a:r>
-                      <a:endParaRPr lang="pt-PT" dirty="0" smtClean="0"/>
                     </a:p>
                   </a:txBody>
                   <a:tcPr/>
@@ -9821,11 +9757,7 @@
           <a:p>
             <a:r>
               <a:rPr lang="pt-PT" dirty="0" smtClean="0"/>
-              <a:t>Descrição dos perfis dos </a:t>
-            </a:r>
-            <a:r>
-              <a:rPr lang="pt-PT" dirty="0" smtClean="0"/>
-              <a:t>utilizadores					2/2</a:t>
+              <a:t>Descrição dos perfis dos utilizadores					2/2</a:t>
             </a:r>
             <a:endParaRPr lang="pt-PT" dirty="0"/>
           </a:p>
@@ -9841,7 +9773,7 @@
             <p:ph idx="1"/>
             <p:extLst>
               <p:ext uri="{D42A27DB-BD31-4B8C-83A1-F6EECF244321}">
-                <p14:modId xmlns:p14="http://schemas.microsoft.com/office/powerpoint/2010/main" val="84600028"/>
+                <p14:modId xmlns:p14="http://schemas.microsoft.com/office/powerpoint/2010/main" val="4184167948"/>
               </p:ext>
             </p:extLst>
           </p:nvPr>
@@ -9941,11 +9873,43 @@
                     <a:p>
                       <a:r>
                         <a:rPr lang="pt-PT" dirty="0" smtClean="0"/>
-                        <a:t>Certificaç</a:t>
+                        <a:t>Certificação</a:t>
                       </a:r>
+                      <a:endParaRPr lang="pt-PT" dirty="0"/>
+                    </a:p>
+                  </a:txBody>
+                  <a:tcPr/>
+                </a:tc>
+                <a:tc>
+                  <a:txBody>
+                    <a:bodyPr/>
+                    <a:lstStyle/>
+                    <a:p>
+                      <a:endParaRPr lang="pt-PT"/>
+                    </a:p>
+                  </a:txBody>
+                  <a:tcPr/>
+                </a:tc>
+                <a:tc>
+                  <a:txBody>
+                    <a:bodyPr/>
+                    <a:lstStyle/>
+                    <a:p>
+                      <a:endParaRPr lang="pt-PT"/>
+                    </a:p>
+                  </a:txBody>
+                  <a:tcPr/>
+                </a:tc>
+              </a:tr>
+              <a:tr h="370840">
+                <a:tc>
+                  <a:txBody>
+                    <a:bodyPr/>
+                    <a:lstStyle/>
+                    <a:p>
                       <a:r>
-                        <a:rPr lang="pt-PT" dirty="0" smtClean="0"/>
-                        <a:t>ão</a:t>
+                        <a:rPr lang="pt-PT" smtClean="0"/>
+                        <a:t>Experiência online</a:t>
                       </a:r>
                       <a:endParaRPr lang="pt-PT" dirty="0"/>
                     </a:p>
@@ -9981,51 +9945,7 @@
                     <a:p>
                       <a:r>
                         <a:rPr lang="pt-PT" dirty="0" smtClean="0"/>
-                        <a:t>Experi</a:t>
-                      </a:r>
-                      <a:r>
-                        <a:rPr lang="pt-PT" dirty="0" smtClean="0"/>
-                        <a:t>ência</a:t>
-                      </a:r>
-                      <a:endParaRPr lang="pt-PT" dirty="0"/>
-                    </a:p>
-                  </a:txBody>
-                  <a:tcPr/>
-                </a:tc>
-                <a:tc>
-                  <a:txBody>
-                    <a:bodyPr/>
-                    <a:lstStyle/>
-                    <a:p>
-                      <a:endParaRPr lang="pt-PT"/>
-                    </a:p>
-                  </a:txBody>
-                  <a:tcPr/>
-                </a:tc>
-                <a:tc>
-                  <a:txBody>
-                    <a:bodyPr/>
-                    <a:lstStyle/>
-                    <a:p>
-                      <a:endParaRPr lang="pt-PT"/>
-                    </a:p>
-                  </a:txBody>
-                  <a:tcPr/>
-                </a:tc>
-              </a:tr>
-              <a:tr h="370840">
-                <a:tc>
-                  <a:txBody>
-                    <a:bodyPr/>
-                    <a:lstStyle/>
-                    <a:p>
-                      <a:r>
-                        <a:rPr lang="pt-PT" dirty="0" smtClean="0"/>
-                        <a:t>Conhecimentos inform</a:t>
-                      </a:r>
-                      <a:r>
-                        <a:rPr lang="pt-PT" dirty="0" smtClean="0"/>
-                        <a:t>áticos</a:t>
+                        <a:t>Conhecimentos informáticos</a:t>
                       </a:r>
                       <a:endParaRPr lang="pt-PT" dirty="0"/>
                     </a:p>
@@ -10139,11 +10059,7 @@
           <a:p>
             <a:r>
               <a:rPr lang="pt-PT" dirty="0" smtClean="0"/>
-              <a:t>6 idosos, com nenhuma, pouca ou alguma experi</a:t>
-            </a:r>
-            <a:r>
-              <a:rPr lang="pt-PT" dirty="0" smtClean="0"/>
-              <a:t>ência e conhecimento a nível informático, conseguindo assim abranger os três perfis de idosos descritos.</a:t>
+              <a:t>6 idosos, com nenhuma, pouca ou alguma experiência e conhecimento a nível informático, conseguindo assim abranger os três perfis de idosos descritos.</a:t>
             </a:r>
           </a:p>
           <a:p>

--- a/Apresentação - Lab01.pptx
+++ b/Apresentação - Lab01.pptx
@@ -313,7 +313,7 @@
           <a:p>
             <a:fld id="{D728701E-CAF4-4159-9B3E-41C86DFFA30D}" type="datetimeFigureOut">
               <a:rPr lang="en-US" smtClean="0"/>
-              <a:t>23/09/15</a:t>
+              <a:t>23-Sep-15</a:t>
             </a:fld>
             <a:endParaRPr lang="en-US"/>
           </a:p>
@@ -767,7 +767,7 @@
           <a:p>
             <a:fld id="{D728701E-CAF4-4159-9B3E-41C86DFFA30D}" type="datetimeFigureOut">
               <a:rPr lang="en-US" smtClean="0"/>
-              <a:t>23/09/15</a:t>
+              <a:t>23-Sep-15</a:t>
             </a:fld>
             <a:endParaRPr lang="en-US"/>
           </a:p>
@@ -1310,7 +1310,7 @@
           <a:p>
             <a:fld id="{D728701E-CAF4-4159-9B3E-41C86DFFA30D}" type="datetimeFigureOut">
               <a:rPr lang="en-US" smtClean="0"/>
-              <a:t>23/09/15</a:t>
+              <a:t>23-Sep-15</a:t>
             </a:fld>
             <a:endParaRPr lang="en-US"/>
           </a:p>
@@ -1446,7 +1446,7 @@
           <a:p>
             <a:fld id="{D728701E-CAF4-4159-9B3E-41C86DFFA30D}" type="datetimeFigureOut">
               <a:rPr lang="en-US" smtClean="0"/>
-              <a:t>23/09/15</a:t>
+              <a:t>23-Sep-15</a:t>
             </a:fld>
             <a:endParaRPr lang="en-US"/>
           </a:p>
@@ -1784,7 +1784,7 @@
           <a:p>
             <a:fld id="{D728701E-CAF4-4159-9B3E-41C86DFFA30D}" type="datetimeFigureOut">
               <a:rPr lang="en-US" smtClean="0"/>
-              <a:t>23/09/15</a:t>
+              <a:t>23-Sep-15</a:t>
             </a:fld>
             <a:endParaRPr lang="en-US"/>
           </a:p>
@@ -2110,7 +2110,7 @@
           <a:p>
             <a:fld id="{D728701E-CAF4-4159-9B3E-41C86DFFA30D}" type="datetimeFigureOut">
               <a:rPr lang="en-US" smtClean="0"/>
-              <a:t>23/09/15</a:t>
+              <a:t>23-Sep-15</a:t>
             </a:fld>
             <a:endParaRPr lang="en-US"/>
           </a:p>
@@ -2408,7 +2408,7 @@
           <a:p>
             <a:fld id="{D728701E-CAF4-4159-9B3E-41C86DFFA30D}" type="datetimeFigureOut">
               <a:rPr lang="en-US" smtClean="0"/>
-              <a:t>23/09/15</a:t>
+              <a:t>23-Sep-15</a:t>
             </a:fld>
             <a:endParaRPr lang="en-US"/>
           </a:p>
@@ -2795,7 +2795,7 @@
           <a:p>
             <a:fld id="{D728701E-CAF4-4159-9B3E-41C86DFFA30D}" type="datetimeFigureOut">
               <a:rPr lang="en-US" smtClean="0"/>
-              <a:t>23/09/15</a:t>
+              <a:t>23-Sep-15</a:t>
             </a:fld>
             <a:endParaRPr lang="en-US"/>
           </a:p>
@@ -3215,7 +3215,7 @@
           <a:p>
             <a:fld id="{D728701E-CAF4-4159-9B3E-41C86DFFA30D}" type="datetimeFigureOut">
               <a:rPr lang="en-US" smtClean="0"/>
-              <a:t>23/09/15</a:t>
+              <a:t>23-Sep-15</a:t>
             </a:fld>
             <a:endParaRPr lang="en-US"/>
           </a:p>
@@ -3763,7 +3763,7 @@
           <a:p>
             <a:fld id="{D728701E-CAF4-4159-9B3E-41C86DFFA30D}" type="datetimeFigureOut">
               <a:rPr lang="en-US" smtClean="0"/>
-              <a:t>23/09/15</a:t>
+              <a:t>23-Sep-15</a:t>
             </a:fld>
             <a:endParaRPr lang="en-US"/>
           </a:p>
@@ -4121,7 +4121,7 @@
           <a:p>
             <a:fld id="{D728701E-CAF4-4159-9B3E-41C86DFFA30D}" type="datetimeFigureOut">
               <a:rPr lang="en-US" smtClean="0"/>
-              <a:t>23/09/15</a:t>
+              <a:t>23-Sep-15</a:t>
             </a:fld>
             <a:endParaRPr lang="en-US"/>
           </a:p>
@@ -4336,7 +4336,7 @@
           <a:p>
             <a:fld id="{D728701E-CAF4-4159-9B3E-41C86DFFA30D}" type="datetimeFigureOut">
               <a:rPr lang="en-US" smtClean="0"/>
-              <a:t>23/09/15</a:t>
+              <a:t>23-Sep-15</a:t>
             </a:fld>
             <a:endParaRPr lang="en-US"/>
           </a:p>
@@ -4643,7 +4643,7 @@
           <a:p>
             <a:fld id="{D728701E-CAF4-4159-9B3E-41C86DFFA30D}" type="datetimeFigureOut">
               <a:rPr lang="en-US" smtClean="0"/>
-              <a:t>23/09/15</a:t>
+              <a:t>23-Sep-15</a:t>
             </a:fld>
             <a:endParaRPr lang="en-US"/>
           </a:p>
@@ -4899,7 +4899,7 @@
           <a:p>
             <a:fld id="{D728701E-CAF4-4159-9B3E-41C86DFFA30D}" type="datetimeFigureOut">
               <a:rPr lang="en-US" smtClean="0"/>
-              <a:t>23/09/15</a:t>
+              <a:t>23-Sep-15</a:t>
             </a:fld>
             <a:endParaRPr lang="en-US"/>
           </a:p>
@@ -5288,7 +5288,7 @@
           <a:p>
             <a:fld id="{D728701E-CAF4-4159-9B3E-41C86DFFA30D}" type="datetimeFigureOut">
               <a:rPr lang="en-US" smtClean="0"/>
-              <a:t>23/09/15</a:t>
+              <a:t>23-Sep-15</a:t>
             </a:fld>
             <a:endParaRPr lang="en-US"/>
           </a:p>
@@ -5877,7 +5877,7 @@
           <a:p>
             <a:fld id="{D728701E-CAF4-4159-9B3E-41C86DFFA30D}" type="datetimeFigureOut">
               <a:rPr lang="en-US" smtClean="0"/>
-              <a:t>23/09/15</a:t>
+              <a:t>23-Sep-15</a:t>
             </a:fld>
             <a:endParaRPr lang="en-US"/>
           </a:p>
@@ -6392,7 +6392,7 @@
           <a:p>
             <a:fld id="{D728701E-CAF4-4159-9B3E-41C86DFFA30D}" type="datetimeFigureOut">
               <a:rPr lang="en-US" smtClean="0"/>
-              <a:t>23/09/15</a:t>
+              <a:t>23-Sep-15</a:t>
             </a:fld>
             <a:endParaRPr lang="en-US"/>
           </a:p>
@@ -6765,7 +6765,7 @@
           <a:p>
             <a:fld id="{D728701E-CAF4-4159-9B3E-41C86DFFA30D}" type="datetimeFigureOut">
               <a:rPr lang="en-US" smtClean="0"/>
-              <a:t>23/09/15</a:t>
+              <a:t>23-Sep-15</a:t>
             </a:fld>
             <a:endParaRPr lang="en-US"/>
           </a:p>
@@ -7164,7 +7164,7 @@
           <a:p>
             <a:fld id="{D728701E-CAF4-4159-9B3E-41C86DFFA30D}" type="datetimeFigureOut">
               <a:rPr lang="en-US" smtClean="0"/>
-              <a:t>23/09/15</a:t>
+              <a:t>23-Sep-15</a:t>
             </a:fld>
             <a:endParaRPr lang="en-US"/>
           </a:p>
@@ -7584,7 +7584,7 @@
           <a:p>
             <a:fld id="{D728701E-CAF4-4159-9B3E-41C86DFFA30D}" type="datetimeFigureOut">
               <a:rPr lang="en-US" smtClean="0"/>
-              <a:t>23/09/15</a:t>
+              <a:t>23-Sep-15</a:t>
             </a:fld>
             <a:endParaRPr lang="en-US"/>
           </a:p>
@@ -7967,7 +7967,7 @@
           <a:p>
             <a:fld id="{D728701E-CAF4-4159-9B3E-41C86DFFA30D}" type="datetimeFigureOut">
               <a:rPr lang="en-US" smtClean="0"/>
-              <a:t>23/09/15</a:t>
+              <a:t>23-Sep-15</a:t>
             </a:fld>
             <a:endParaRPr lang="en-US"/>
           </a:p>
@@ -8620,7 +8620,7 @@
   <p:timing>
     <p:tnLst>
       <p:par>
-        <p:cTn xmlns:p14="http://schemas.microsoft.com/office/powerpoint/2010/main" id="1" dur="indefinite" restart="never" nodeType="tmRoot"/>
+        <p:cTn id="1" dur="indefinite" restart="never" nodeType="tmRoot"/>
       </p:par>
     </p:tnLst>
   </p:timing>
@@ -8868,7 +8868,7 @@
   <p:timing>
     <p:tnLst>
       <p:par>
-        <p:cTn xmlns:p14="http://schemas.microsoft.com/office/powerpoint/2010/main" id="1" dur="indefinite" restart="never" nodeType="tmRoot"/>
+        <p:cTn id="1" dur="indefinite" restart="never" nodeType="tmRoot"/>
       </p:par>
     </p:tnLst>
   </p:timing>
@@ -9117,7 +9117,7 @@
   <p:timing>
     <p:tnLst>
       <p:par>
-        <p:cTn xmlns:p14="http://schemas.microsoft.com/office/powerpoint/2010/main" id="1" dur="indefinite" restart="never" nodeType="tmRoot"/>
+        <p:cTn id="1" dur="indefinite" restart="never" nodeType="tmRoot"/>
       </p:par>
     </p:tnLst>
   </p:timing>
@@ -9174,14 +9174,14 @@
             <p:ph idx="1"/>
             <p:extLst>
               <p:ext uri="{D42A27DB-BD31-4B8C-83A1-F6EECF244321}">
-                <p14:modId xmlns:p14="http://schemas.microsoft.com/office/powerpoint/2010/main" val="2653362082"/>
+                <p14:modId xmlns:p14="http://schemas.microsoft.com/office/powerpoint/2010/main" val="2779018652"/>
               </p:ext>
             </p:extLst>
           </p:nvPr>
         </p:nvGraphicFramePr>
         <p:xfrm>
           <a:off x="595238" y="2455333"/>
-          <a:ext cx="7766587" cy="3523488"/>
+          <a:ext cx="7766587" cy="3864928"/>
         </p:xfrm>
         <a:graphic>
           <a:graphicData uri="http://schemas.openxmlformats.org/drawingml/2006/table">
@@ -9445,7 +9445,7 @@
                       </a:pPr>
                       <a:r>
                         <a:rPr lang="pt-PT" dirty="0" smtClean="0"/>
-                        <a:t>Experiência</a:t>
+                        <a:t>Experiência em cursos online</a:t>
                       </a:r>
                       <a:endParaRPr lang="pt-PT" dirty="0"/>
                     </a:p>
@@ -9716,7 +9716,7 @@
   <p:timing>
     <p:tnLst>
       <p:par>
-        <p:cTn xmlns:p14="http://schemas.microsoft.com/office/powerpoint/2010/main" id="1" dur="indefinite" restart="never" nodeType="tmRoot"/>
+        <p:cTn id="1" dur="indefinite" restart="never" nodeType="tmRoot"/>
       </p:par>
     </p:tnLst>
   </p:timing>
@@ -9765,22 +9765,21 @@
       </p:sp>
       <p:graphicFrame>
         <p:nvGraphicFramePr>
-          <p:cNvPr id="4" name="Content Placeholder 3"/>
+          <p:cNvPr id="6" name="Content Placeholder 3"/>
           <p:cNvGraphicFramePr>
-            <a:graphicFrameLocks noGrp="1"/>
+            <a:graphicFrameLocks/>
           </p:cNvGraphicFramePr>
           <p:nvPr>
-            <p:ph idx="1"/>
             <p:extLst>
               <p:ext uri="{D42A27DB-BD31-4B8C-83A1-F6EECF244321}">
-                <p14:modId xmlns:p14="http://schemas.microsoft.com/office/powerpoint/2010/main" val="4184167948"/>
+                <p14:modId xmlns:p14="http://schemas.microsoft.com/office/powerpoint/2010/main" val="4268439406"/>
               </p:ext>
             </p:extLst>
           </p:nvPr>
         </p:nvGraphicFramePr>
         <p:xfrm>
           <a:off x="716190" y="2731105"/>
-          <a:ext cx="7556499" cy="2123440"/>
+          <a:ext cx="7764619" cy="2661920"/>
         </p:xfrm>
         <a:graphic>
           <a:graphicData uri="http://schemas.openxmlformats.org/drawingml/2006/table">
@@ -9789,9 +9788,9 @@
                 <a:tableStyleId>{5C22544A-7EE6-4342-B048-85BDC9FD1C3A}</a:tableStyleId>
               </a:tblPr>
               <a:tblGrid>
-                <a:gridCol w="2518833"/>
-                <a:gridCol w="2518833"/>
-                <a:gridCol w="2518833"/>
+                <a:gridCol w="2268170"/>
+                <a:gridCol w="2744636"/>
+                <a:gridCol w="2751813"/>
               </a:tblGrid>
               <a:tr h="370840">
                 <a:tc>
@@ -9811,7 +9810,11 @@
                     <a:p>
                       <a:r>
                         <a:rPr lang="pt-PT" dirty="0" smtClean="0"/>
-                        <a:t>Professor</a:t>
+                        <a:t>Professor inexperiente na</a:t>
+                      </a:r>
+                      <a:r>
+                        <a:rPr lang="pt-PT" baseline="0" dirty="0" smtClean="0"/>
+                        <a:t> plataforma</a:t>
                       </a:r>
                       <a:endParaRPr lang="pt-PT" dirty="0"/>
                     </a:p>
@@ -9823,7 +9826,15 @@
                     <a:bodyPr/>
                     <a:lstStyle/>
                     <a:p>
-                      <a:endParaRPr lang="pt-PT"/>
+                      <a:r>
+                        <a:rPr lang="pt-PT" dirty="0" smtClean="0"/>
+                        <a:t>Professor experiente na</a:t>
+                      </a:r>
+                      <a:r>
+                        <a:rPr lang="pt-PT" baseline="0" dirty="0" smtClean="0"/>
+                        <a:t> plataforma</a:t>
+                      </a:r>
+                      <a:endParaRPr lang="pt-PT" dirty="0"/>
                     </a:p>
                   </a:txBody>
                   <a:tcPr/>
@@ -9849,7 +9860,11 @@
                     <a:bodyPr/>
                     <a:lstStyle/>
                     <a:p>
-                      <a:endParaRPr lang="pt-PT"/>
+                      <a:r>
+                        <a:rPr lang="pt-PT" dirty="0" smtClean="0"/>
+                        <a:t>Responsável</a:t>
+                      </a:r>
+                      <a:endParaRPr lang="pt-PT" dirty="0"/>
                     </a:p>
                   </a:txBody>
                   <a:tcPr/>
@@ -9859,7 +9874,11 @@
                     <a:bodyPr/>
                     <a:lstStyle/>
                     <a:p>
-                      <a:endParaRPr lang="pt-PT"/>
+                      <a:r>
+                        <a:rPr lang="pt-PT" dirty="0" smtClean="0"/>
+                        <a:t>Responsável</a:t>
+                      </a:r>
+                      <a:endParaRPr lang="pt-PT" dirty="0"/>
                     </a:p>
                   </a:txBody>
                   <a:tcPr/>
@@ -9885,7 +9904,11 @@
                     <a:bodyPr/>
                     <a:lstStyle/>
                     <a:p>
-                      <a:endParaRPr lang="pt-PT"/>
+                      <a:r>
+                        <a:rPr lang="pt-PT" dirty="0" smtClean="0"/>
+                        <a:t>sim/não</a:t>
+                      </a:r>
+                      <a:endParaRPr lang="pt-PT" dirty="0"/>
                     </a:p>
                   </a:txBody>
                   <a:tcPr/>
@@ -9895,7 +9918,11 @@
                     <a:bodyPr/>
                     <a:lstStyle/>
                     <a:p>
-                      <a:endParaRPr lang="pt-PT"/>
+                      <a:r>
+                        <a:rPr lang="pt-PT" dirty="0" smtClean="0"/>
+                        <a:t>sim/não</a:t>
+                      </a:r>
+                      <a:endParaRPr lang="pt-PT" dirty="0"/>
                     </a:p>
                   </a:txBody>
                   <a:tcPr/>
@@ -9908,8 +9935,8 @@
                     <a:lstStyle/>
                     <a:p>
                       <a:r>
-                        <a:rPr lang="pt-PT" smtClean="0"/>
-                        <a:t>Experiência online</a:t>
+                        <a:rPr lang="pt-PT" dirty="0" smtClean="0"/>
+                        <a:t>Experiência em cursos online</a:t>
                       </a:r>
                       <a:endParaRPr lang="pt-PT" dirty="0"/>
                     </a:p>
@@ -9921,7 +9948,11 @@
                     <a:bodyPr/>
                     <a:lstStyle/>
                     <a:p>
-                      <a:endParaRPr lang="pt-PT"/>
+                      <a:r>
+                        <a:rPr lang="pt-PT" dirty="0" smtClean="0"/>
+                        <a:t>alguma</a:t>
+                      </a:r>
+                      <a:endParaRPr lang="pt-PT" dirty="0"/>
                     </a:p>
                   </a:txBody>
                   <a:tcPr/>
@@ -9931,7 +9962,11 @@
                     <a:bodyPr/>
                     <a:lstStyle/>
                     <a:p>
-                      <a:endParaRPr lang="pt-PT"/>
+                      <a:r>
+                        <a:rPr lang="pt-PT" dirty="0" smtClean="0"/>
+                        <a:t>bastante (a leccionar ou aprender)</a:t>
+                      </a:r>
+                      <a:endParaRPr lang="pt-PT" dirty="0"/>
                     </a:p>
                   </a:txBody>
                   <a:tcPr/>
@@ -9957,7 +9992,11 @@
                     <a:bodyPr/>
                     <a:lstStyle/>
                     <a:p>
-                      <a:endParaRPr lang="pt-PT"/>
+                      <a:r>
+                        <a:rPr lang="pt-PT" dirty="0" smtClean="0"/>
+                        <a:t>poucos</a:t>
+                      </a:r>
+                      <a:endParaRPr lang="pt-PT" dirty="0"/>
                     </a:p>
                   </a:txBody>
                   <a:tcPr/>
@@ -9967,6 +10006,14 @@
                     <a:bodyPr/>
                     <a:lstStyle/>
                     <a:p>
+                      <a:r>
+                        <a:rPr lang="pt-PT" dirty="0" smtClean="0"/>
+                        <a:t>alguns</a:t>
+                      </a:r>
+                      <a:r>
+                        <a:rPr lang="pt-PT" baseline="0" dirty="0" smtClean="0"/>
+                        <a:t> ou bastantes</a:t>
+                      </a:r>
                       <a:endParaRPr lang="pt-PT" dirty="0"/>
                     </a:p>
                   </a:txBody>
@@ -9990,7 +10037,7 @@
   <p:timing>
     <p:tnLst>
       <p:par>
-        <p:cTn xmlns:p14="http://schemas.microsoft.com/office/powerpoint/2010/main" id="1" dur="indefinite" restart="never" nodeType="tmRoot"/>
+        <p:cTn id="1" dur="indefinite" restart="never" nodeType="tmRoot"/>
       </p:par>
     </p:tnLst>
   </p:timing>
@@ -10111,7 +10158,7 @@
   <p:timing>
     <p:tnLst>
       <p:par>
-        <p:cTn xmlns:p14="http://schemas.microsoft.com/office/powerpoint/2010/main" id="1" dur="indefinite" restart="never" nodeType="tmRoot"/>
+        <p:cTn id="1" dur="indefinite" restart="never" nodeType="tmRoot"/>
       </p:par>
     </p:tnLst>
   </p:timing>

--- a/Apresentação - Lab01.pptx
+++ b/Apresentação - Lab01.pptx
@@ -313,7 +313,7 @@
           <a:p>
             <a:fld id="{D728701E-CAF4-4159-9B3E-41C86DFFA30D}" type="datetimeFigureOut">
               <a:rPr lang="en-US" smtClean="0"/>
-              <a:t>23-Sep-15</a:t>
+              <a:t>23/09/15</a:t>
             </a:fld>
             <a:endParaRPr lang="en-US"/>
           </a:p>
@@ -767,7 +767,7 @@
           <a:p>
             <a:fld id="{D728701E-CAF4-4159-9B3E-41C86DFFA30D}" type="datetimeFigureOut">
               <a:rPr lang="en-US" smtClean="0"/>
-              <a:t>23-Sep-15</a:t>
+              <a:t>23/09/15</a:t>
             </a:fld>
             <a:endParaRPr lang="en-US"/>
           </a:p>
@@ -1310,7 +1310,7 @@
           <a:p>
             <a:fld id="{D728701E-CAF4-4159-9B3E-41C86DFFA30D}" type="datetimeFigureOut">
               <a:rPr lang="en-US" smtClean="0"/>
-              <a:t>23-Sep-15</a:t>
+              <a:t>23/09/15</a:t>
             </a:fld>
             <a:endParaRPr lang="en-US"/>
           </a:p>
@@ -1446,7 +1446,7 @@
           <a:p>
             <a:fld id="{D728701E-CAF4-4159-9B3E-41C86DFFA30D}" type="datetimeFigureOut">
               <a:rPr lang="en-US" smtClean="0"/>
-              <a:t>23-Sep-15</a:t>
+              <a:t>23/09/15</a:t>
             </a:fld>
             <a:endParaRPr lang="en-US"/>
           </a:p>
@@ -1784,7 +1784,7 @@
           <a:p>
             <a:fld id="{D728701E-CAF4-4159-9B3E-41C86DFFA30D}" type="datetimeFigureOut">
               <a:rPr lang="en-US" smtClean="0"/>
-              <a:t>23-Sep-15</a:t>
+              <a:t>23/09/15</a:t>
             </a:fld>
             <a:endParaRPr lang="en-US"/>
           </a:p>
@@ -2110,7 +2110,7 @@
           <a:p>
             <a:fld id="{D728701E-CAF4-4159-9B3E-41C86DFFA30D}" type="datetimeFigureOut">
               <a:rPr lang="en-US" smtClean="0"/>
-              <a:t>23-Sep-15</a:t>
+              <a:t>23/09/15</a:t>
             </a:fld>
             <a:endParaRPr lang="en-US"/>
           </a:p>
@@ -2408,7 +2408,7 @@
           <a:p>
             <a:fld id="{D728701E-CAF4-4159-9B3E-41C86DFFA30D}" type="datetimeFigureOut">
               <a:rPr lang="en-US" smtClean="0"/>
-              <a:t>23-Sep-15</a:t>
+              <a:t>23/09/15</a:t>
             </a:fld>
             <a:endParaRPr lang="en-US"/>
           </a:p>
@@ -2795,7 +2795,7 @@
           <a:p>
             <a:fld id="{D728701E-CAF4-4159-9B3E-41C86DFFA30D}" type="datetimeFigureOut">
               <a:rPr lang="en-US" smtClean="0"/>
-              <a:t>23-Sep-15</a:t>
+              <a:t>23/09/15</a:t>
             </a:fld>
             <a:endParaRPr lang="en-US"/>
           </a:p>
@@ -3215,7 +3215,7 @@
           <a:p>
             <a:fld id="{D728701E-CAF4-4159-9B3E-41C86DFFA30D}" type="datetimeFigureOut">
               <a:rPr lang="en-US" smtClean="0"/>
-              <a:t>23-Sep-15</a:t>
+              <a:t>23/09/15</a:t>
             </a:fld>
             <a:endParaRPr lang="en-US"/>
           </a:p>
@@ -3763,7 +3763,7 @@
           <a:p>
             <a:fld id="{D728701E-CAF4-4159-9B3E-41C86DFFA30D}" type="datetimeFigureOut">
               <a:rPr lang="en-US" smtClean="0"/>
-              <a:t>23-Sep-15</a:t>
+              <a:t>23/09/15</a:t>
             </a:fld>
             <a:endParaRPr lang="en-US"/>
           </a:p>
@@ -4121,7 +4121,7 @@
           <a:p>
             <a:fld id="{D728701E-CAF4-4159-9B3E-41C86DFFA30D}" type="datetimeFigureOut">
               <a:rPr lang="en-US" smtClean="0"/>
-              <a:t>23-Sep-15</a:t>
+              <a:t>23/09/15</a:t>
             </a:fld>
             <a:endParaRPr lang="en-US"/>
           </a:p>
@@ -4336,7 +4336,7 @@
           <a:p>
             <a:fld id="{D728701E-CAF4-4159-9B3E-41C86DFFA30D}" type="datetimeFigureOut">
               <a:rPr lang="en-US" smtClean="0"/>
-              <a:t>23-Sep-15</a:t>
+              <a:t>23/09/15</a:t>
             </a:fld>
             <a:endParaRPr lang="en-US"/>
           </a:p>
@@ -4643,7 +4643,7 @@
           <a:p>
             <a:fld id="{D728701E-CAF4-4159-9B3E-41C86DFFA30D}" type="datetimeFigureOut">
               <a:rPr lang="en-US" smtClean="0"/>
-              <a:t>23-Sep-15</a:t>
+              <a:t>23/09/15</a:t>
             </a:fld>
             <a:endParaRPr lang="en-US"/>
           </a:p>
@@ -4899,7 +4899,7 @@
           <a:p>
             <a:fld id="{D728701E-CAF4-4159-9B3E-41C86DFFA30D}" type="datetimeFigureOut">
               <a:rPr lang="en-US" smtClean="0"/>
-              <a:t>23-Sep-15</a:t>
+              <a:t>23/09/15</a:t>
             </a:fld>
             <a:endParaRPr lang="en-US"/>
           </a:p>
@@ -5288,7 +5288,7 @@
           <a:p>
             <a:fld id="{D728701E-CAF4-4159-9B3E-41C86DFFA30D}" type="datetimeFigureOut">
               <a:rPr lang="en-US" smtClean="0"/>
-              <a:t>23-Sep-15</a:t>
+              <a:t>23/09/15</a:t>
             </a:fld>
             <a:endParaRPr lang="en-US"/>
           </a:p>
@@ -5877,7 +5877,7 @@
           <a:p>
             <a:fld id="{D728701E-CAF4-4159-9B3E-41C86DFFA30D}" type="datetimeFigureOut">
               <a:rPr lang="en-US" smtClean="0"/>
-              <a:t>23-Sep-15</a:t>
+              <a:t>23/09/15</a:t>
             </a:fld>
             <a:endParaRPr lang="en-US"/>
           </a:p>
@@ -6392,7 +6392,7 @@
           <a:p>
             <a:fld id="{D728701E-CAF4-4159-9B3E-41C86DFFA30D}" type="datetimeFigureOut">
               <a:rPr lang="en-US" smtClean="0"/>
-              <a:t>23-Sep-15</a:t>
+              <a:t>23/09/15</a:t>
             </a:fld>
             <a:endParaRPr lang="en-US"/>
           </a:p>
@@ -6765,7 +6765,7 @@
           <a:p>
             <a:fld id="{D728701E-CAF4-4159-9B3E-41C86DFFA30D}" type="datetimeFigureOut">
               <a:rPr lang="en-US" smtClean="0"/>
-              <a:t>23-Sep-15</a:t>
+              <a:t>23/09/15</a:t>
             </a:fld>
             <a:endParaRPr lang="en-US"/>
           </a:p>
@@ -7164,7 +7164,7 @@
           <a:p>
             <a:fld id="{D728701E-CAF4-4159-9B3E-41C86DFFA30D}" type="datetimeFigureOut">
               <a:rPr lang="en-US" smtClean="0"/>
-              <a:t>23-Sep-15</a:t>
+              <a:t>23/09/15</a:t>
             </a:fld>
             <a:endParaRPr lang="en-US"/>
           </a:p>
@@ -7584,7 +7584,7 @@
           <a:p>
             <a:fld id="{D728701E-CAF4-4159-9B3E-41C86DFFA30D}" type="datetimeFigureOut">
               <a:rPr lang="en-US" smtClean="0"/>
-              <a:t>23-Sep-15</a:t>
+              <a:t>23/09/15</a:t>
             </a:fld>
             <a:endParaRPr lang="en-US"/>
           </a:p>
@@ -7967,7 +7967,7 @@
           <a:p>
             <a:fld id="{D728701E-CAF4-4159-9B3E-41C86DFFA30D}" type="datetimeFigureOut">
               <a:rPr lang="en-US" smtClean="0"/>
-              <a:t>23-Sep-15</a:t>
+              <a:t>23/09/15</a:t>
             </a:fld>
             <a:endParaRPr lang="en-US"/>
           </a:p>
@@ -8620,7 +8620,7 @@
   <p:timing>
     <p:tnLst>
       <p:par>
-        <p:cTn id="1" dur="indefinite" restart="never" nodeType="tmRoot"/>
+        <p:cTn xmlns:p14="http://schemas.microsoft.com/office/powerpoint/2010/main" id="1" dur="indefinite" restart="never" nodeType="tmRoot"/>
       </p:par>
     </p:tnLst>
   </p:timing>
@@ -8868,7 +8868,7 @@
   <p:timing>
     <p:tnLst>
       <p:par>
-        <p:cTn id="1" dur="indefinite" restart="never" nodeType="tmRoot"/>
+        <p:cTn xmlns:p14="http://schemas.microsoft.com/office/powerpoint/2010/main" id="1" dur="indefinite" restart="never" nodeType="tmRoot"/>
       </p:par>
     </p:tnLst>
   </p:timing>
@@ -9117,7 +9117,7 @@
   <p:timing>
     <p:tnLst>
       <p:par>
-        <p:cTn id="1" dur="indefinite" restart="never" nodeType="tmRoot"/>
+        <p:cTn xmlns:p14="http://schemas.microsoft.com/office/powerpoint/2010/main" id="1" dur="indefinite" restart="never" nodeType="tmRoot"/>
       </p:par>
     </p:tnLst>
   </p:timing>
@@ -9174,14 +9174,14 @@
             <p:ph idx="1"/>
             <p:extLst>
               <p:ext uri="{D42A27DB-BD31-4B8C-83A1-F6EECF244321}">
-                <p14:modId xmlns:p14="http://schemas.microsoft.com/office/powerpoint/2010/main" val="2779018652"/>
+                <p14:modId xmlns:p14="http://schemas.microsoft.com/office/powerpoint/2010/main" val="3892793552"/>
               </p:ext>
             </p:extLst>
           </p:nvPr>
         </p:nvGraphicFramePr>
         <p:xfrm>
           <a:off x="595238" y="2455333"/>
-          <a:ext cx="7766587" cy="3864928"/>
+          <a:ext cx="7766587" cy="3907536"/>
         </p:xfrm>
         <a:graphic>
           <a:graphicData uri="http://schemas.openxmlformats.org/drawingml/2006/table">
@@ -9327,7 +9327,7 @@
                       </a:pPr>
                       <a:r>
                         <a:rPr lang="pt-PT" dirty="0" smtClean="0"/>
-                        <a:t>muito/algum</a:t>
+                        <a:t>algum/muito</a:t>
                       </a:r>
                       <a:endParaRPr lang="pt-PT" dirty="0"/>
                     </a:p>
@@ -9463,8 +9463,8 @@
                         </a:lnSpc>
                       </a:pPr>
                       <a:r>
-                        <a:rPr lang="pt-PT" dirty="0" smtClean="0"/>
-                        <a:t>pouca/nenhuma</a:t>
+                        <a:rPr lang="pt-PT" smtClean="0"/>
+                        <a:t>nenhuma/pouca</a:t>
                       </a:r>
                       <a:endParaRPr lang="pt-PT" dirty="0"/>
                     </a:p>
@@ -9476,14 +9476,26 @@
                     <a:bodyPr/>
                     <a:lstStyle/>
                     <a:p>
-                      <a:pPr algn="ctr">
+                      <a:pPr marL="0" marR="0" indent="0" algn="ctr" defTabSz="914400" rtl="0" eaLnBrk="1" fontAlgn="auto" latinLnBrk="0" hangingPunct="1">
                         <a:lnSpc>
                           <a:spcPct val="140000"/>
                         </a:lnSpc>
+                        <a:spcBef>
+                          <a:spcPts val="0"/>
+                        </a:spcBef>
+                        <a:spcAft>
+                          <a:spcPts val="0"/>
+                        </a:spcAft>
+                        <a:buClrTx/>
+                        <a:buSzTx/>
+                        <a:buFontTx/>
+                        <a:buNone/>
+                        <a:tabLst/>
+                        <a:defRPr/>
                       </a:pPr>
                       <a:r>
                         <a:rPr lang="pt-PT" dirty="0" smtClean="0"/>
-                        <a:t>alguma/pouca</a:t>
+                        <a:t>pouca/alguma</a:t>
                       </a:r>
                       <a:endParaRPr lang="pt-PT" dirty="0"/>
                     </a:p>
@@ -9553,14 +9565,26 @@
                     <a:bodyPr/>
                     <a:lstStyle/>
                     <a:p>
-                      <a:pPr algn="ctr">
+                      <a:pPr marL="0" marR="0" indent="0" algn="ctr" defTabSz="914400" rtl="0" eaLnBrk="1" fontAlgn="auto" latinLnBrk="0" hangingPunct="1">
                         <a:lnSpc>
                           <a:spcPct val="140000"/>
                         </a:lnSpc>
+                        <a:spcBef>
+                          <a:spcPts val="0"/>
+                        </a:spcBef>
+                        <a:spcAft>
+                          <a:spcPts val="0"/>
+                        </a:spcAft>
+                        <a:buClrTx/>
+                        <a:buSzTx/>
+                        <a:buFontTx/>
+                        <a:buNone/>
+                        <a:tabLst/>
+                        <a:defRPr/>
                       </a:pPr>
                       <a:r>
                         <a:rPr lang="pt-PT" dirty="0" smtClean="0"/>
-                        <a:t>alguma/pouca</a:t>
+                        <a:t>pouca/alguma</a:t>
                       </a:r>
                       <a:endParaRPr lang="pt-PT" dirty="0"/>
                     </a:p>
@@ -9572,14 +9596,26 @@
                     <a:bodyPr/>
                     <a:lstStyle/>
                     <a:p>
-                      <a:pPr algn="ctr">
+                      <a:pPr marL="0" marR="0" indent="0" algn="ctr" defTabSz="914400" rtl="0" eaLnBrk="1" fontAlgn="auto" latinLnBrk="0" hangingPunct="1">
                         <a:lnSpc>
                           <a:spcPct val="140000"/>
                         </a:lnSpc>
+                        <a:spcBef>
+                          <a:spcPts val="0"/>
+                        </a:spcBef>
+                        <a:spcAft>
+                          <a:spcPts val="0"/>
+                        </a:spcAft>
+                        <a:buClrTx/>
+                        <a:buSzTx/>
+                        <a:buFontTx/>
+                        <a:buNone/>
+                        <a:tabLst/>
+                        <a:defRPr/>
                       </a:pPr>
                       <a:r>
                         <a:rPr lang="pt-PT" dirty="0" smtClean="0"/>
-                        <a:t>pouca/nenhuma</a:t>
+                        <a:t>nenhuma/pouca</a:t>
                       </a:r>
                       <a:endParaRPr lang="pt-PT" dirty="0"/>
                     </a:p>
@@ -9618,7 +9654,7 @@
                       </a:pPr>
                       <a:r>
                         <a:rPr lang="pt-PT" dirty="0" smtClean="0"/>
-                        <a:t>poucos/nenhuns</a:t>
+                        <a:t>nenhuns/poucos</a:t>
                       </a:r>
                       <a:endParaRPr lang="pt-PT" dirty="0"/>
                     </a:p>
@@ -9716,7 +9752,7 @@
   <p:timing>
     <p:tnLst>
       <p:par>
-        <p:cTn id="1" dur="indefinite" restart="never" nodeType="tmRoot"/>
+        <p:cTn xmlns:p14="http://schemas.microsoft.com/office/powerpoint/2010/main" id="1" dur="indefinite" restart="never" nodeType="tmRoot"/>
       </p:par>
     </p:tnLst>
   </p:timing>
@@ -9772,14 +9808,14 @@
           <p:nvPr>
             <p:extLst>
               <p:ext uri="{D42A27DB-BD31-4B8C-83A1-F6EECF244321}">
-                <p14:modId xmlns:p14="http://schemas.microsoft.com/office/powerpoint/2010/main" val="4268439406"/>
+                <p14:modId xmlns:p14="http://schemas.microsoft.com/office/powerpoint/2010/main" val="2572895885"/>
               </p:ext>
             </p:extLst>
           </p:nvPr>
         </p:nvGraphicFramePr>
         <p:xfrm>
           <a:off x="716190" y="2731105"/>
-          <a:ext cx="7764619" cy="2661920"/>
+          <a:ext cx="7764619" cy="3432048"/>
         </p:xfrm>
         <a:graphic>
           <a:graphicData uri="http://schemas.openxmlformats.org/drawingml/2006/table">
@@ -9798,7 +9834,21 @@
                     <a:bodyPr/>
                     <a:lstStyle/>
                     <a:p>
-                      <a:endParaRPr lang="pt-PT" dirty="0"/>
+                      <a:pPr algn="r"/>
+                      <a:r>
+                        <a:rPr lang="pt-PT" dirty="0" smtClean="0"/>
+                        <a:t>Perfil</a:t>
+                      </a:r>
+                    </a:p>
+                    <a:p>
+                      <a:pPr algn="r"/>
+                      <a:endParaRPr lang="pt-PT" sz="800" dirty="0" smtClean="0"/>
+                    </a:p>
+                    <a:p>
+                      <a:r>
+                        <a:rPr lang="pt-PT" dirty="0" smtClean="0"/>
+                        <a:t>Característica</a:t>
+                      </a:r>
                     </a:p>
                   </a:txBody>
                   <a:tcPr/>
@@ -9810,11 +9860,11 @@
                     <a:p>
                       <a:r>
                         <a:rPr lang="pt-PT" dirty="0" smtClean="0"/>
-                        <a:t>Professor inexperiente na</a:t>
+                        <a:t>Professor inexperiente </a:t>
                       </a:r>
                       <a:r>
-                        <a:rPr lang="pt-PT" baseline="0" dirty="0" smtClean="0"/>
-                        <a:t> plataforma</a:t>
+                        <a:rPr lang="pt-PT" dirty="0" smtClean="0"/>
+                        <a:t>em cursos online</a:t>
                       </a:r>
                       <a:endParaRPr lang="pt-PT" dirty="0"/>
                     </a:p>
@@ -9828,11 +9878,15 @@
                     <a:p>
                       <a:r>
                         <a:rPr lang="pt-PT" dirty="0" smtClean="0"/>
-                        <a:t>Professor experiente na</a:t>
+                        <a:t>Professor experiente </a:t>
+                      </a:r>
+                      <a:r>
+                        <a:rPr lang="pt-PT" dirty="0" smtClean="0"/>
+                        <a:t>em cursos</a:t>
                       </a:r>
                       <a:r>
                         <a:rPr lang="pt-PT" baseline="0" dirty="0" smtClean="0"/>
-                        <a:t> plataforma</a:t>
+                        <a:t> online</a:t>
                       </a:r>
                       <a:endParaRPr lang="pt-PT" dirty="0"/>
                     </a:p>
@@ -9846,6 +9900,11 @@
                     <a:bodyPr/>
                     <a:lstStyle/>
                     <a:p>
+                      <a:pPr>
+                        <a:lnSpc>
+                          <a:spcPct val="140000"/>
+                        </a:lnSpc>
+                      </a:pPr>
                       <a:r>
                         <a:rPr lang="pt-PT" dirty="0" smtClean="0"/>
                         <a:t>Responsabilidade</a:t>
@@ -9860,28 +9919,38 @@
                     <a:bodyPr/>
                     <a:lstStyle/>
                     <a:p>
+                      <a:pPr algn="ctr">
+                        <a:lnSpc>
+                          <a:spcPct val="140000"/>
+                        </a:lnSpc>
+                      </a:pPr>
                       <a:r>
                         <a:rPr lang="pt-PT" dirty="0" smtClean="0"/>
-                        <a:t>Responsável</a:t>
+                        <a:t>responsável</a:t>
                       </a:r>
                       <a:endParaRPr lang="pt-PT" dirty="0"/>
                     </a:p>
                   </a:txBody>
-                  <a:tcPr/>
+                  <a:tcPr anchor="ctr"/>
                 </a:tc>
                 <a:tc>
                   <a:txBody>
                     <a:bodyPr/>
                     <a:lstStyle/>
                     <a:p>
+                      <a:pPr algn="ctr">
+                        <a:lnSpc>
+                          <a:spcPct val="140000"/>
+                        </a:lnSpc>
+                      </a:pPr>
                       <a:r>
                         <a:rPr lang="pt-PT" dirty="0" smtClean="0"/>
-                        <a:t>Responsável</a:t>
+                        <a:t>responsável</a:t>
                       </a:r>
                       <a:endParaRPr lang="pt-PT" dirty="0"/>
                     </a:p>
                   </a:txBody>
-                  <a:tcPr/>
+                  <a:tcPr anchor="ctr"/>
                 </a:tc>
               </a:tr>
               <a:tr h="370840">
@@ -9890,6 +9959,11 @@
                     <a:bodyPr/>
                     <a:lstStyle/>
                     <a:p>
+                      <a:pPr>
+                        <a:lnSpc>
+                          <a:spcPct val="140000"/>
+                        </a:lnSpc>
+                      </a:pPr>
                       <a:r>
                         <a:rPr lang="pt-PT" dirty="0" smtClean="0"/>
                         <a:t>Certificação</a:t>
@@ -9904,9 +9978,58 @@
                     <a:bodyPr/>
                     <a:lstStyle/>
                     <a:p>
+                      <a:pPr algn="ctr">
+                        <a:lnSpc>
+                          <a:spcPct val="140000"/>
+                        </a:lnSpc>
+                      </a:pPr>
                       <a:r>
                         <a:rPr lang="pt-PT" dirty="0" smtClean="0"/>
                         <a:t>sim/não</a:t>
+                      </a:r>
+                      <a:endParaRPr lang="pt-PT" dirty="0"/>
+                    </a:p>
+                  </a:txBody>
+                  <a:tcPr anchor="ctr"/>
+                </a:tc>
+                <a:tc>
+                  <a:txBody>
+                    <a:bodyPr/>
+                    <a:lstStyle/>
+                    <a:p>
+                      <a:pPr algn="ctr">
+                        <a:lnSpc>
+                          <a:spcPct val="140000"/>
+                        </a:lnSpc>
+                      </a:pPr>
+                      <a:r>
+                        <a:rPr lang="pt-PT" dirty="0" smtClean="0"/>
+                        <a:t>sim/não</a:t>
+                      </a:r>
+                      <a:endParaRPr lang="pt-PT" dirty="0"/>
+                    </a:p>
+                  </a:txBody>
+                  <a:tcPr anchor="ctr"/>
+                </a:tc>
+              </a:tr>
+              <a:tr h="370840">
+                <a:tc>
+                  <a:txBody>
+                    <a:bodyPr/>
+                    <a:lstStyle/>
+                    <a:p>
+                      <a:pPr>
+                        <a:lnSpc>
+                          <a:spcPct val="140000"/>
+                        </a:lnSpc>
+                      </a:pPr>
+                      <a:r>
+                        <a:rPr lang="pt-PT" dirty="0" smtClean="0"/>
+                        <a:t>Experiência </a:t>
+                      </a:r>
+                      <a:r>
+                        <a:rPr lang="pt-PT" dirty="0" smtClean="0"/>
+                        <a:t>em leccionar</a:t>
                       </a:r>
                       <a:endParaRPr lang="pt-PT" dirty="0"/>
                     </a:p>
@@ -9918,14 +10041,38 @@
                     <a:bodyPr/>
                     <a:lstStyle/>
                     <a:p>
+                      <a:pPr algn="ctr">
+                        <a:lnSpc>
+                          <a:spcPct val="140000"/>
+                        </a:lnSpc>
+                      </a:pPr>
                       <a:r>
                         <a:rPr lang="pt-PT" dirty="0" smtClean="0"/>
-                        <a:t>sim/não</a:t>
+                        <a:t>pouca/alguma</a:t>
                       </a:r>
                       <a:endParaRPr lang="pt-PT" dirty="0"/>
                     </a:p>
                   </a:txBody>
-                  <a:tcPr/>
+                  <a:tcPr anchor="ctr"/>
+                </a:tc>
+                <a:tc>
+                  <a:txBody>
+                    <a:bodyPr/>
+                    <a:lstStyle/>
+                    <a:p>
+                      <a:pPr algn="ctr">
+                        <a:lnSpc>
+                          <a:spcPct val="140000"/>
+                        </a:lnSpc>
+                      </a:pPr>
+                      <a:r>
+                        <a:rPr lang="pt-PT" dirty="0" smtClean="0"/>
+                        <a:t>muita</a:t>
+                      </a:r>
+                      <a:endParaRPr lang="pt-PT" dirty="0"/>
+                    </a:p>
+                  </a:txBody>
+                  <a:tcPr anchor="ctr"/>
                 </a:tc>
               </a:tr>
               <a:tr h="370840">
@@ -9934,50 +10081,11 @@
                     <a:bodyPr/>
                     <a:lstStyle/>
                     <a:p>
-                      <a:r>
-                        <a:rPr lang="pt-PT" dirty="0" smtClean="0"/>
-                        <a:t>Experiência em cursos online</a:t>
-                      </a:r>
-                      <a:endParaRPr lang="pt-PT" dirty="0"/>
-                    </a:p>
-                  </a:txBody>
-                  <a:tcPr/>
-                </a:tc>
-                <a:tc>
-                  <a:txBody>
-                    <a:bodyPr/>
-                    <a:lstStyle/>
-                    <a:p>
-                      <a:r>
-                        <a:rPr lang="pt-PT" dirty="0" smtClean="0"/>
-                        <a:t>alguma</a:t>
-                      </a:r>
-                      <a:endParaRPr lang="pt-PT" dirty="0"/>
-                    </a:p>
-                  </a:txBody>
-                  <a:tcPr/>
-                </a:tc>
-                <a:tc>
-                  <a:txBody>
-                    <a:bodyPr/>
-                    <a:lstStyle/>
-                    <a:p>
-                      <a:r>
-                        <a:rPr lang="pt-PT" dirty="0" smtClean="0"/>
-                        <a:t>bastante (a leccionar ou aprender)</a:t>
-                      </a:r>
-                      <a:endParaRPr lang="pt-PT" dirty="0"/>
-                    </a:p>
-                  </a:txBody>
-                  <a:tcPr/>
-                </a:tc>
-              </a:tr>
-              <a:tr h="370840">
-                <a:tc>
-                  <a:txBody>
-                    <a:bodyPr/>
-                    <a:lstStyle/>
-                    <a:p>
+                      <a:pPr>
+                        <a:lnSpc>
+                          <a:spcPct val="140000"/>
+                        </a:lnSpc>
+                      </a:pPr>
                       <a:r>
                         <a:rPr lang="pt-PT" dirty="0" smtClean="0"/>
                         <a:t>Conhecimentos informáticos</a:t>
@@ -9992,38 +10100,83 @@
                     <a:bodyPr/>
                     <a:lstStyle/>
                     <a:p>
+                      <a:pPr algn="ctr">
+                        <a:lnSpc>
+                          <a:spcPct val="140000"/>
+                        </a:lnSpc>
+                      </a:pPr>
                       <a:r>
                         <a:rPr lang="pt-PT" dirty="0" smtClean="0"/>
-                        <a:t>poucos</a:t>
+                        <a:t>poucos/alguns</a:t>
                       </a:r>
                       <a:endParaRPr lang="pt-PT" dirty="0"/>
                     </a:p>
                   </a:txBody>
-                  <a:tcPr/>
+                  <a:tcPr anchor="ctr"/>
                 </a:tc>
                 <a:tc>
                   <a:txBody>
                     <a:bodyPr/>
                     <a:lstStyle/>
                     <a:p>
+                      <a:pPr algn="ctr">
+                        <a:lnSpc>
+                          <a:spcPct val="140000"/>
+                        </a:lnSpc>
+                      </a:pPr>
                       <a:r>
                         <a:rPr lang="pt-PT" dirty="0" smtClean="0"/>
                         <a:t>alguns</a:t>
                       </a:r>
                       <a:r>
                         <a:rPr lang="pt-PT" baseline="0" dirty="0" smtClean="0"/>
-                        <a:t> ou bastantes</a:t>
+                        <a:t>/muitos</a:t>
                       </a:r>
                       <a:endParaRPr lang="pt-PT" dirty="0"/>
                     </a:p>
                   </a:txBody>
-                  <a:tcPr/>
+                  <a:tcPr anchor="ctr"/>
                 </a:tc>
               </a:tr>
             </a:tbl>
           </a:graphicData>
         </a:graphic>
       </p:graphicFrame>
+      <p:cxnSp>
+        <p:nvCxnSpPr>
+          <p:cNvPr id="7" name="Straight Connector 6"/>
+          <p:cNvCxnSpPr/>
+          <p:nvPr/>
+        </p:nvCxnSpPr>
+        <p:spPr>
+          <a:xfrm>
+            <a:off x="728285" y="2805106"/>
+            <a:ext cx="2247143" cy="468000"/>
+          </a:xfrm>
+          <a:prstGeom prst="line">
+            <a:avLst/>
+          </a:prstGeom>
+          <a:ln>
+            <a:solidFill>
+              <a:schemeClr val="bg1"/>
+            </a:solidFill>
+          </a:ln>
+        </p:spPr>
+        <p:style>
+          <a:lnRef idx="2">
+            <a:schemeClr val="accent1"/>
+          </a:lnRef>
+          <a:fillRef idx="0">
+            <a:schemeClr val="accent1"/>
+          </a:fillRef>
+          <a:effectRef idx="1">
+            <a:schemeClr val="accent1"/>
+          </a:effectRef>
+          <a:fontRef idx="minor">
+            <a:schemeClr val="tx1"/>
+          </a:fontRef>
+        </p:style>
+      </p:cxnSp>
     </p:spTree>
     <p:extLst>
       <p:ext uri="{BB962C8B-B14F-4D97-AF65-F5344CB8AC3E}">
@@ -10037,7 +10190,7 @@
   <p:timing>
     <p:tnLst>
       <p:par>
-        <p:cTn id="1" dur="indefinite" restart="never" nodeType="tmRoot"/>
+        <p:cTn xmlns:p14="http://schemas.microsoft.com/office/powerpoint/2010/main" id="1" dur="indefinite" restart="never" nodeType="tmRoot"/>
       </p:par>
     </p:tnLst>
   </p:timing>
@@ -10158,7 +10311,7 @@
   <p:timing>
     <p:tnLst>
       <p:par>
-        <p:cTn id="1" dur="indefinite" restart="never" nodeType="tmRoot"/>
+        <p:cTn xmlns:p14="http://schemas.microsoft.com/office/powerpoint/2010/main" id="1" dur="indefinite" restart="never" nodeType="tmRoot"/>
       </p:par>
     </p:tnLst>
   </p:timing>

--- a/Apresentação - Lab01.pptx
+++ b/Apresentação - Lab01.pptx
@@ -109,6 +109,22 @@
       </a:defRPr>
     </a:lvl9pPr>
   </p:defaultTextStyle>
+  <p:extLst>
+    <p:ext uri="{EFAFB233-063F-42B5-8137-9DF3F51BA10A}">
+      <p15:sldGuideLst xmlns:p15="http://schemas.microsoft.com/office/powerpoint/2012/main">
+        <p15:guide id="1" orient="horz" pos="2160">
+          <p15:clr>
+            <a:srgbClr val="A4A3A4"/>
+          </p15:clr>
+        </p15:guide>
+        <p15:guide id="2" pos="2880">
+          <p15:clr>
+            <a:srgbClr val="A4A3A4"/>
+          </p15:clr>
+        </p15:guide>
+      </p15:sldGuideLst>
+    </p:ext>
+  </p:extLst>
 </p:presentation>
 </file>
 
@@ -313,7 +329,7 @@
           <a:p>
             <a:fld id="{D728701E-CAF4-4159-9B3E-41C86DFFA30D}" type="datetimeFigureOut">
               <a:rPr lang="en-US" smtClean="0"/>
-              <a:t>23/09/15</a:t>
+              <a:t>9/29/15</a:t>
             </a:fld>
             <a:endParaRPr lang="en-US"/>
           </a:p>
@@ -767,7 +783,7 @@
           <a:p>
             <a:fld id="{D728701E-CAF4-4159-9B3E-41C86DFFA30D}" type="datetimeFigureOut">
               <a:rPr lang="en-US" smtClean="0"/>
-              <a:t>23/09/15</a:t>
+              <a:t>9/29/15</a:t>
             </a:fld>
             <a:endParaRPr lang="en-US"/>
           </a:p>
@@ -809,7 +825,7 @@
           <a:p>
             <a:fld id="{162F1D00-BD13-4404-86B0-79703945A0A7}" type="slidenum">
               <a:rPr lang="en-US" smtClean="0"/>
-              <a:t>‹#›</a:t>
+              <a:t>‹nº›</a:t>
             </a:fld>
             <a:endParaRPr lang="en-US"/>
           </a:p>
@@ -1310,7 +1326,7 @@
           <a:p>
             <a:fld id="{D728701E-CAF4-4159-9B3E-41C86DFFA30D}" type="datetimeFigureOut">
               <a:rPr lang="en-US" smtClean="0"/>
-              <a:t>23/09/15</a:t>
+              <a:t>9/29/15</a:t>
             </a:fld>
             <a:endParaRPr lang="en-US"/>
           </a:p>
@@ -1352,7 +1368,7 @@
           <a:p>
             <a:fld id="{162F1D00-BD13-4404-86B0-79703945A0A7}" type="slidenum">
               <a:rPr lang="en-US" smtClean="0"/>
-              <a:t>‹#›</a:t>
+              <a:t>‹nº›</a:t>
             </a:fld>
             <a:endParaRPr lang="en-US"/>
           </a:p>
@@ -1446,7 +1462,7 @@
           <a:p>
             <a:fld id="{D728701E-CAF4-4159-9B3E-41C86DFFA30D}" type="datetimeFigureOut">
               <a:rPr lang="en-US" smtClean="0"/>
-              <a:t>23/09/15</a:t>
+              <a:t>9/29/15</a:t>
             </a:fld>
             <a:endParaRPr lang="en-US"/>
           </a:p>
@@ -1488,7 +1504,7 @@
           <a:p>
             <a:fld id="{162F1D00-BD13-4404-86B0-79703945A0A7}" type="slidenum">
               <a:rPr lang="en-US" smtClean="0"/>
-              <a:t>‹#›</a:t>
+              <a:t>‹nº›</a:t>
             </a:fld>
             <a:endParaRPr lang="en-US"/>
           </a:p>
@@ -1784,7 +1800,7 @@
           <a:p>
             <a:fld id="{D728701E-CAF4-4159-9B3E-41C86DFFA30D}" type="datetimeFigureOut">
               <a:rPr lang="en-US" smtClean="0"/>
-              <a:t>23/09/15</a:t>
+              <a:t>9/29/15</a:t>
             </a:fld>
             <a:endParaRPr lang="en-US"/>
           </a:p>
@@ -2110,7 +2126,7 @@
           <a:p>
             <a:fld id="{D728701E-CAF4-4159-9B3E-41C86DFFA30D}" type="datetimeFigureOut">
               <a:rPr lang="en-US" smtClean="0"/>
-              <a:t>23/09/15</a:t>
+              <a:t>9/29/15</a:t>
             </a:fld>
             <a:endParaRPr lang="en-US"/>
           </a:p>
@@ -2157,7 +2173,7 @@
           <a:p>
             <a:fld id="{162F1D00-BD13-4404-86B0-79703945A0A7}" type="slidenum">
               <a:rPr lang="en-US" smtClean="0"/>
-              <a:t>‹#›</a:t>
+              <a:t>‹nº›</a:t>
             </a:fld>
             <a:endParaRPr lang="en-US"/>
           </a:p>
@@ -2408,7 +2424,7 @@
           <a:p>
             <a:fld id="{D728701E-CAF4-4159-9B3E-41C86DFFA30D}" type="datetimeFigureOut">
               <a:rPr lang="en-US" smtClean="0"/>
-              <a:t>23/09/15</a:t>
+              <a:t>9/29/15</a:t>
             </a:fld>
             <a:endParaRPr lang="en-US"/>
           </a:p>
@@ -2450,7 +2466,7 @@
           <a:p>
             <a:fld id="{162F1D00-BD13-4404-86B0-79703945A0A7}" type="slidenum">
               <a:rPr lang="en-US" smtClean="0"/>
-              <a:t>‹#›</a:t>
+              <a:t>‹nº›</a:t>
             </a:fld>
             <a:endParaRPr lang="en-US"/>
           </a:p>
@@ -2795,7 +2811,7 @@
           <a:p>
             <a:fld id="{D728701E-CAF4-4159-9B3E-41C86DFFA30D}" type="datetimeFigureOut">
               <a:rPr lang="en-US" smtClean="0"/>
-              <a:t>23/09/15</a:t>
+              <a:t>9/29/15</a:t>
             </a:fld>
             <a:endParaRPr lang="en-US"/>
           </a:p>
@@ -2850,7 +2866,7 @@
           <a:p>
             <a:fld id="{162F1D00-BD13-4404-86B0-79703945A0A7}" type="slidenum">
               <a:rPr lang="en-US" smtClean="0"/>
-              <a:t>‹#›</a:t>
+              <a:t>‹nº›</a:t>
             </a:fld>
             <a:endParaRPr lang="en-US"/>
           </a:p>
@@ -3215,7 +3231,7 @@
           <a:p>
             <a:fld id="{D728701E-CAF4-4159-9B3E-41C86DFFA30D}" type="datetimeFigureOut">
               <a:rPr lang="en-US" smtClean="0"/>
-              <a:t>23/09/15</a:t>
+              <a:t>9/29/15</a:t>
             </a:fld>
             <a:endParaRPr lang="en-US"/>
           </a:p>
@@ -3270,7 +3286,7 @@
           <a:p>
             <a:fld id="{162F1D00-BD13-4404-86B0-79703945A0A7}" type="slidenum">
               <a:rPr lang="en-US" smtClean="0"/>
-              <a:t>‹#›</a:t>
+              <a:t>‹nº›</a:t>
             </a:fld>
             <a:endParaRPr lang="en-US"/>
           </a:p>
@@ -3763,7 +3779,7 @@
           <a:p>
             <a:fld id="{D728701E-CAF4-4159-9B3E-41C86DFFA30D}" type="datetimeFigureOut">
               <a:rPr lang="en-US" smtClean="0"/>
-              <a:t>23/09/15</a:t>
+              <a:t>9/29/15</a:t>
             </a:fld>
             <a:endParaRPr lang="en-US"/>
           </a:p>
@@ -3810,7 +3826,7 @@
           <a:p>
             <a:fld id="{162F1D00-BD13-4404-86B0-79703945A0A7}" type="slidenum">
               <a:rPr lang="en-US" smtClean="0"/>
-              <a:t>‹#›</a:t>
+              <a:t>‹nº›</a:t>
             </a:fld>
             <a:endParaRPr lang="en-US"/>
           </a:p>
@@ -4121,7 +4137,7 @@
           <a:p>
             <a:fld id="{D728701E-CAF4-4159-9B3E-41C86DFFA30D}" type="datetimeFigureOut">
               <a:rPr lang="en-US" smtClean="0"/>
-              <a:t>23/09/15</a:t>
+              <a:t>9/29/15</a:t>
             </a:fld>
             <a:endParaRPr lang="en-US"/>
           </a:p>
@@ -4163,7 +4179,7 @@
           <a:p>
             <a:fld id="{162F1D00-BD13-4404-86B0-79703945A0A7}" type="slidenum">
               <a:rPr lang="en-US" smtClean="0"/>
-              <a:t>‹#›</a:t>
+              <a:t>‹nº›</a:t>
             </a:fld>
             <a:endParaRPr lang="en-US"/>
           </a:p>
@@ -4336,7 +4352,7 @@
           <a:p>
             <a:fld id="{D728701E-CAF4-4159-9B3E-41C86DFFA30D}" type="datetimeFigureOut">
               <a:rPr lang="en-US" smtClean="0"/>
-              <a:t>23/09/15</a:t>
+              <a:t>9/29/15</a:t>
             </a:fld>
             <a:endParaRPr lang="en-US"/>
           </a:p>
@@ -4378,7 +4394,7 @@
           <a:p>
             <a:fld id="{162F1D00-BD13-4404-86B0-79703945A0A7}" type="slidenum">
               <a:rPr lang="en-US" smtClean="0"/>
-              <a:t>‹#›</a:t>
+              <a:t>‹nº›</a:t>
             </a:fld>
             <a:endParaRPr lang="en-US"/>
           </a:p>
@@ -4643,7 +4659,7 @@
           <a:p>
             <a:fld id="{D728701E-CAF4-4159-9B3E-41C86DFFA30D}" type="datetimeFigureOut">
               <a:rPr lang="en-US" smtClean="0"/>
-              <a:t>23/09/15</a:t>
+              <a:t>9/29/15</a:t>
             </a:fld>
             <a:endParaRPr lang="en-US"/>
           </a:p>
@@ -4685,7 +4701,7 @@
           <a:p>
             <a:fld id="{162F1D00-BD13-4404-86B0-79703945A0A7}" type="slidenum">
               <a:rPr lang="en-US" smtClean="0"/>
-              <a:t>‹#›</a:t>
+              <a:t>‹nº›</a:t>
             </a:fld>
             <a:endParaRPr lang="en-US"/>
           </a:p>
@@ -4899,7 +4915,7 @@
           <a:p>
             <a:fld id="{D728701E-CAF4-4159-9B3E-41C86DFFA30D}" type="datetimeFigureOut">
               <a:rPr lang="en-US" smtClean="0"/>
-              <a:t>23/09/15</a:t>
+              <a:t>9/29/15</a:t>
             </a:fld>
             <a:endParaRPr lang="en-US"/>
           </a:p>
@@ -4941,7 +4957,7 @@
           <a:p>
             <a:fld id="{162F1D00-BD13-4404-86B0-79703945A0A7}" type="slidenum">
               <a:rPr lang="en-US" smtClean="0"/>
-              <a:t>‹#›</a:t>
+              <a:t>‹nº›</a:t>
             </a:fld>
             <a:endParaRPr lang="en-US"/>
           </a:p>
@@ -5288,7 +5304,7 @@
           <a:p>
             <a:fld id="{D728701E-CAF4-4159-9B3E-41C86DFFA30D}" type="datetimeFigureOut">
               <a:rPr lang="en-US" smtClean="0"/>
-              <a:t>23/09/15</a:t>
+              <a:t>9/29/15</a:t>
             </a:fld>
             <a:endParaRPr lang="en-US"/>
           </a:p>
@@ -5877,7 +5893,7 @@
           <a:p>
             <a:fld id="{D728701E-CAF4-4159-9B3E-41C86DFFA30D}" type="datetimeFigureOut">
               <a:rPr lang="en-US" smtClean="0"/>
-              <a:t>23/09/15</a:t>
+              <a:t>9/29/15</a:t>
             </a:fld>
             <a:endParaRPr lang="en-US"/>
           </a:p>
@@ -5937,7 +5953,7 @@
           <a:p>
             <a:fld id="{162F1D00-BD13-4404-86B0-79703945A0A7}" type="slidenum">
               <a:rPr lang="en-US" smtClean="0"/>
-              <a:t>‹#›</a:t>
+              <a:t>‹nº›</a:t>
             </a:fld>
             <a:endParaRPr lang="en-US"/>
           </a:p>
@@ -6392,7 +6408,7 @@
           <a:p>
             <a:fld id="{D728701E-CAF4-4159-9B3E-41C86DFFA30D}" type="datetimeFigureOut">
               <a:rPr lang="en-US" smtClean="0"/>
-              <a:t>23/09/15</a:t>
+              <a:t>9/29/15</a:t>
             </a:fld>
             <a:endParaRPr lang="en-US"/>
           </a:p>
@@ -6434,7 +6450,7 @@
           <a:p>
             <a:fld id="{162F1D00-BD13-4404-86B0-79703945A0A7}" type="slidenum">
               <a:rPr lang="en-US" smtClean="0"/>
-              <a:t>‹#›</a:t>
+              <a:t>‹nº›</a:t>
             </a:fld>
             <a:endParaRPr lang="en-US"/>
           </a:p>
@@ -6765,7 +6781,7 @@
           <a:p>
             <a:fld id="{D728701E-CAF4-4159-9B3E-41C86DFFA30D}" type="datetimeFigureOut">
               <a:rPr lang="en-US" smtClean="0"/>
-              <a:t>23/09/15</a:t>
+              <a:t>9/29/15</a:t>
             </a:fld>
             <a:endParaRPr lang="en-US"/>
           </a:p>
@@ -6807,7 +6823,7 @@
           <a:p>
             <a:fld id="{162F1D00-BD13-4404-86B0-79703945A0A7}" type="slidenum">
               <a:rPr lang="en-US" smtClean="0"/>
-              <a:t>‹#›</a:t>
+              <a:t>‹nº›</a:t>
             </a:fld>
             <a:endParaRPr lang="en-US"/>
           </a:p>
@@ -7164,7 +7180,7 @@
           <a:p>
             <a:fld id="{D728701E-CAF4-4159-9B3E-41C86DFFA30D}" type="datetimeFigureOut">
               <a:rPr lang="en-US" smtClean="0"/>
-              <a:t>23/09/15</a:t>
+              <a:t>9/29/15</a:t>
             </a:fld>
             <a:endParaRPr lang="en-US"/>
           </a:p>
@@ -7344,7 +7360,7 @@
           <a:p>
             <a:fld id="{162F1D00-BD13-4404-86B0-79703945A0A7}" type="slidenum">
               <a:rPr lang="en-US" smtClean="0"/>
-              <a:t>‹#›</a:t>
+              <a:t>‹nº›</a:t>
             </a:fld>
             <a:endParaRPr lang="en-US"/>
           </a:p>
@@ -7584,7 +7600,7 @@
           <a:p>
             <a:fld id="{D728701E-CAF4-4159-9B3E-41C86DFFA30D}" type="datetimeFigureOut">
               <a:rPr lang="en-US" smtClean="0"/>
-              <a:t>23/09/15</a:t>
+              <a:t>9/29/15</a:t>
             </a:fld>
             <a:endParaRPr lang="en-US"/>
           </a:p>
@@ -7626,7 +7642,7 @@
           <a:p>
             <a:fld id="{162F1D00-BD13-4404-86B0-79703945A0A7}" type="slidenum">
               <a:rPr lang="en-US" smtClean="0"/>
-              <a:t>‹#›</a:t>
+              <a:t>‹nº›</a:t>
             </a:fld>
             <a:endParaRPr lang="en-US"/>
           </a:p>
@@ -7967,7 +7983,7 @@
           <a:p>
             <a:fld id="{D728701E-CAF4-4159-9B3E-41C86DFFA30D}" type="datetimeFigureOut">
               <a:rPr lang="en-US" smtClean="0"/>
-              <a:t>23/09/15</a:t>
+              <a:t>9/29/15</a:t>
             </a:fld>
             <a:endParaRPr lang="en-US"/>
           </a:p>
@@ -8044,7 +8060,7 @@
           <a:p>
             <a:fld id="{162F1D00-BD13-4404-86B0-79703945A0A7}" type="slidenum">
               <a:rPr lang="en-US" smtClean="0"/>
-              <a:t>‹#›</a:t>
+              <a:t>‹nº›</a:t>
             </a:fld>
             <a:endParaRPr lang="en-US"/>
           </a:p>
@@ -8620,7 +8636,7 @@
   <p:timing>
     <p:tnLst>
       <p:par>
-        <p:cTn xmlns:p14="http://schemas.microsoft.com/office/powerpoint/2010/main" id="1" dur="indefinite" restart="never" nodeType="tmRoot"/>
+        <p:cTn id="1" dur="indefinite" restart="never" nodeType="tmRoot"/>
       </p:par>
     </p:tnLst>
   </p:timing>
@@ -8868,7 +8884,7 @@
   <p:timing>
     <p:tnLst>
       <p:par>
-        <p:cTn xmlns:p14="http://schemas.microsoft.com/office/powerpoint/2010/main" id="1" dur="indefinite" restart="never" nodeType="tmRoot"/>
+        <p:cTn id="1" dur="indefinite" restart="never" nodeType="tmRoot"/>
       </p:par>
     </p:tnLst>
   </p:timing>
@@ -9117,7 +9133,7 @@
   <p:timing>
     <p:tnLst>
       <p:par>
-        <p:cTn xmlns:p14="http://schemas.microsoft.com/office/powerpoint/2010/main" id="1" dur="indefinite" restart="never" nodeType="tmRoot"/>
+        <p:cTn id="1" dur="indefinite" restart="never" nodeType="tmRoot"/>
       </p:par>
     </p:tnLst>
   </p:timing>
@@ -9752,7 +9768,7 @@
   <p:timing>
     <p:tnLst>
       <p:par>
-        <p:cTn xmlns:p14="http://schemas.microsoft.com/office/powerpoint/2010/main" id="1" dur="indefinite" restart="never" nodeType="tmRoot"/>
+        <p:cTn id="1" dur="indefinite" restart="never" nodeType="tmRoot"/>
       </p:par>
     </p:tnLst>
   </p:timing>
@@ -9860,11 +9876,7 @@
                     <a:p>
                       <a:r>
                         <a:rPr lang="pt-PT" dirty="0" smtClean="0"/>
-                        <a:t>Professor inexperiente </a:t>
-                      </a:r>
-                      <a:r>
-                        <a:rPr lang="pt-PT" dirty="0" smtClean="0"/>
-                        <a:t>em cursos online</a:t>
+                        <a:t>Professor inexperiente em cursos online</a:t>
                       </a:r>
                       <a:endParaRPr lang="pt-PT" dirty="0"/>
                     </a:p>
@@ -9878,11 +9890,7 @@
                     <a:p>
                       <a:r>
                         <a:rPr lang="pt-PT" dirty="0" smtClean="0"/>
-                        <a:t>Professor experiente </a:t>
-                      </a:r>
-                      <a:r>
-                        <a:rPr lang="pt-PT" dirty="0" smtClean="0"/>
-                        <a:t>em cursos</a:t>
+                        <a:t>Professor experiente em cursos</a:t>
                       </a:r>
                       <a:r>
                         <a:rPr lang="pt-PT" baseline="0" dirty="0" smtClean="0"/>
@@ -10025,11 +10033,7 @@
                       </a:pPr>
                       <a:r>
                         <a:rPr lang="pt-PT" dirty="0" smtClean="0"/>
-                        <a:t>Experiência </a:t>
-                      </a:r>
-                      <a:r>
-                        <a:rPr lang="pt-PT" dirty="0" smtClean="0"/>
-                        <a:t>em leccionar</a:t>
+                        <a:t>Experiência em leccionar</a:t>
                       </a:r>
                       <a:endParaRPr lang="pt-PT" dirty="0"/>
                     </a:p>
@@ -10190,7 +10194,7 @@
   <p:timing>
     <p:tnLst>
       <p:par>
-        <p:cTn xmlns:p14="http://schemas.microsoft.com/office/powerpoint/2010/main" id="1" dur="indefinite" restart="never" nodeType="tmRoot"/>
+        <p:cTn id="1" dur="indefinite" restart="never" nodeType="tmRoot"/>
       </p:par>
     </p:tnLst>
   </p:timing>
@@ -10259,8 +10263,13 @@
           <a:p>
             <a:r>
               <a:rPr lang="pt-PT" dirty="0" smtClean="0"/>
-              <a:t>6 idosos, com nenhuma, pouca ou alguma experiência e conhecimento a nível informático, conseguindo assim abranger os três perfis de idosos descritos.</a:t>
-            </a:r>
+              <a:t>6 idosos, com nenhuma, pouca ou alguma experiência e conhecimento a nível informático, conseguindo assim abranger os três perfis de idosos </a:t>
+            </a:r>
+            <a:r>
+              <a:rPr lang="pt-PT" dirty="0" smtClean="0"/>
+              <a:t>descritos anteriormente.</a:t>
+            </a:r>
+            <a:endParaRPr lang="pt-PT" dirty="0" smtClean="0"/>
           </a:p>
           <a:p>
             <a:endParaRPr lang="pt-PT" dirty="0" smtClean="0"/>
@@ -10311,7 +10320,7 @@
   <p:timing>
     <p:tnLst>
       <p:par>
-        <p:cTn xmlns:p14="http://schemas.microsoft.com/office/powerpoint/2010/main" id="1" dur="indefinite" restart="never" nodeType="tmRoot"/>
+        <p:cTn id="1" dur="indefinite" restart="never" nodeType="tmRoot"/>
       </p:par>
     </p:tnLst>
   </p:timing>
